--- a/Ansible/Ansible.pptx
+++ b/Ansible/Ansible.pptx
@@ -9211,31 +9211,6 @@
           </a:p>
         </p:txBody>
       </p:sp>
-      <p:sp>
-        <p:nvSpPr>
-          <p:cNvPr id="3" name="Subtitle 2">
-            <a:extLst>
-              <a:ext uri="{FF2B5EF4-FFF2-40B4-BE49-F238E27FC236}">
-                <a16:creationId xmlns:a16="http://schemas.microsoft.com/office/drawing/2014/main" id="{07C42AFE-C42F-5BFE-3C2C-67ACA3452925}"/>
-              </a:ext>
-            </a:extLst>
-          </p:cNvPr>
-          <p:cNvSpPr>
-            <a:spLocks noGrp="1"/>
-          </p:cNvSpPr>
-          <p:nvPr>
-            <p:ph type="subTitle" idx="1"/>
-          </p:nvPr>
-        </p:nvSpPr>
-        <p:spPr/>
-        <p:txBody>
-          <a:bodyPr/>
-          <a:lstStyle/>
-          <a:p>
-            <a:endParaRPr lang="en-IN"/>
-          </a:p>
-        </p:txBody>
-      </p:sp>
     </p:spTree>
   </p:cSld>
   <p:clrMapOvr>
